--- a/draft-gandhi-ippm-stamp-direct-00.pptx
+++ b/draft-gandhi-ippm-stamp-direct-00.pptx
@@ -15,7 +15,7 @@
     <p:sldId id="1662" r:id="rId3"/>
     <p:sldId id="1663" r:id="rId4"/>
     <p:sldId id="321" r:id="rId5"/>
-    <p:sldId id="3055" r:id="rId6"/>
+    <p:sldId id="3058" r:id="rId6"/>
     <p:sldId id="3054" r:id="rId7"/>
     <p:sldId id="3056" r:id="rId8"/>
     <p:sldId id="3057" r:id="rId9"/>
@@ -254,7 +254,7 @@
           <a:p>
             <a:fld id="{E8FA3DB5-7722-3F4F-947D-12B203669AD7}" type="datetimeFigureOut">
               <a:rPr lang="en-US" smtClean="0"/>
-              <a:t>1/25/21</a:t>
+              <a:t>1/26/21</a:t>
             </a:fld>
             <a:endParaRPr lang="en-US"/>
           </a:p>
@@ -2420,14 +2420,14 @@
           </a:ln>
           <a:extLst>
             <a:ext uri="{909E8E84-426E-40dd-AFC4-6F175D3DCCD1}">
-              <a14:hiddenFill xmlns:a14="http://schemas.microsoft.com/office/drawing/2010/main" xmlns="">
+              <a14:hiddenFill xmlns="" xmlns:a14="http://schemas.microsoft.com/office/drawing/2010/main">
                 <a:solidFill>
                   <a:srgbClr val="FFFFFF"/>
                 </a:solidFill>
               </a14:hiddenFill>
             </a:ext>
             <a:ext uri="{91240B29-F687-4f45-9708-019B960494DF}">
-              <a14:hiddenLine xmlns:a14="http://schemas.microsoft.com/office/drawing/2010/main" xmlns="" w="9525">
+              <a14:hiddenLine xmlns="" xmlns:a14="http://schemas.microsoft.com/office/drawing/2010/main" w="9525">
                 <a:solidFill>
                   <a:srgbClr val="000000"/>
                 </a:solidFill>
@@ -2680,7 +2680,7 @@
               </a14:hiddenLine>
             </a:ext>
             <a:ext uri="{FAA26D3D-D897-4be2-8F04-BA451C77F1D7}">
-              <ma14:placeholderFlag xmlns:ma14="http://schemas.microsoft.com/office/mac/drawingml/2011/main" xmlns="" val="1"/>
+              <ma14:placeholderFlag xmlns="" xmlns:ma14="http://schemas.microsoft.com/office/mac/drawingml/2011/main" val="1"/>
             </a:ext>
           </a:extLst>
         </p:spPr>
@@ -7925,16 +7925,7 @@
             </a:pPr>
             <a:r>
               <a:rPr lang="en-US" sz="1600" dirty="0"/>
-              <a:t>Support stand-alone Direct Measurement for Packet Loss</a:t>
-            </a:r>
-          </a:p>
-          <a:p>
-            <a:pPr marL="0" indent="0">
-              <a:buNone/>
-            </a:pPr>
-            <a:r>
-              <a:rPr lang="en-US" sz="1600" dirty="0"/>
-              <a:t>Goals: </a:t>
+              <a:t>Support stand-alone Direct Measurement for Data Packet Loss</a:t>
             </a:r>
           </a:p>
           <a:p>
@@ -7944,7 +7935,26 @@
             </a:pPr>
             <a:r>
               <a:rPr lang="en-US" sz="1600" dirty="0"/>
-              <a:t>Avoid per session provisioning on Session-Reflector</a:t>
+              <a:t>Very high scale for number of sessions and faster detection interval</a:t>
+            </a:r>
+          </a:p>
+          <a:p>
+            <a:pPr lvl="2">
+              <a:buFont typeface="Wingdings" charset="2"/>
+              <a:buChar char="§"/>
+            </a:pPr>
+            <a:r>
+              <a:rPr lang="en-US" sz="1600" dirty="0"/>
+              <a:t>Support hardware implementation</a:t>
+            </a:r>
+          </a:p>
+          <a:p>
+            <a:pPr marL="0" indent="0">
+              <a:buNone/>
+            </a:pPr>
+            <a:r>
+              <a:rPr lang="en-US" sz="1600" dirty="0"/>
+              <a:t>Goals: </a:t>
             </a:r>
           </a:p>
           <a:p>
@@ -7954,7 +7964,7 @@
             </a:pPr>
             <a:r>
               <a:rPr lang="en-US" sz="1600" dirty="0"/>
-              <a:t>Avoid control-channel signaling for sessions</a:t>
+              <a:t>Avoid per session provisioning on Session-Reflector</a:t>
             </a:r>
           </a:p>
           <a:p>
@@ -7964,17 +7974,7 @@
             </a:pPr>
             <a:r>
               <a:rPr lang="en-US" sz="1600" dirty="0"/>
-              <a:t>Very high scale for number of sessions and faster detection interval</a:t>
-            </a:r>
-          </a:p>
-          <a:p>
-            <a:pPr lvl="2">
-              <a:buFont typeface="Wingdings" charset="2"/>
-              <a:buChar char="§"/>
-            </a:pPr>
-            <a:r>
-              <a:rPr lang="en-US" sz="1600" dirty="0"/>
-              <a:t>Support hardware implementation</a:t>
+              <a:t>Avoid control-channel signaling for sessions</a:t>
             </a:r>
           </a:p>
           <a:p>
@@ -8466,7 +8466,7 @@
             </a:r>
           </a:p>
           <a:p>
-            <a:pPr>
+            <a:pPr lvl="1">
               <a:spcBef>
                 <a:spcPts val="0"/>
               </a:spcBef>
@@ -10127,7 +10127,7 @@
                 <a:ea typeface="Times New Roman" panose="02020603050405020304" pitchFamily="18" charset="0"/>
                 <a:cs typeface="Courier New" panose="02070309020205020404" pitchFamily="49" charset="0"/>
               </a:rPr>
-              <a:t>|X|B|T| DSCP.     | Block Number| SSID                          |</a:t>
+              <a:t>|X|B|T| DSCP      | Block Number| SSID                          |</a:t>
             </a:r>
             <a:endParaRPr kumimoji="0" lang="en-US" altLang="en-US" sz="600" u="none" strike="noStrike" cap="none" normalizeH="0" baseline="0" dirty="0">
               <a:ln>
@@ -10998,7 +10998,7 @@
           <p:cNvPr id="2" name="Title 1">
             <a:extLst>
               <a:ext uri="{FF2B5EF4-FFF2-40B4-BE49-F238E27FC236}">
-                <a16:creationId xmlns:a16="http://schemas.microsoft.com/office/drawing/2014/main" id="{0C88B8C1-E00C-9540-BBDE-60963DFE2927}"/>
+                <a16:creationId xmlns:a16="http://schemas.microsoft.com/office/drawing/2014/main" id="{A21563F4-5702-5D48-9E19-E7BA65B8CF0F}"/>
               </a:ext>
             </a:extLst>
           </p:cNvPr>
@@ -11012,7 +11012,7 @@
         <p:spPr>
           <a:xfrm>
             <a:off x="0" y="0"/>
-            <a:ext cx="9144000" cy="857250"/>
+            <a:ext cx="9144000" cy="640557"/>
           </a:xfrm>
         </p:spPr>
         <p:txBody>
@@ -11029,15 +11029,560 @@
               </a:rPr>
               <a:t>Direct Measurement TLV vs. Direct Measurement Test Packet</a:t>
             </a:r>
+            <a:endParaRPr lang="en-US" sz="2800" dirty="0"/>
           </a:p>
         </p:txBody>
       </p:sp>
+      <p:graphicFrame>
+        <p:nvGraphicFramePr>
+          <p:cNvPr id="6" name="Table 6">
+            <a:extLst>
+              <a:ext uri="{FF2B5EF4-FFF2-40B4-BE49-F238E27FC236}">
+                <a16:creationId xmlns:a16="http://schemas.microsoft.com/office/drawing/2014/main" id="{39DD6037-B2F8-2846-A8F8-3526946C0D4D}"/>
+              </a:ext>
+            </a:extLst>
+          </p:cNvPr>
+          <p:cNvGraphicFramePr>
+            <a:graphicFrameLocks noGrp="1"/>
+          </p:cNvGraphicFramePr>
+          <p:nvPr>
+            <p:ph idx="1"/>
+            <p:extLst>
+              <p:ext uri="{D42A27DB-BD31-4B8C-83A1-F6EECF244321}">
+                <p14:modId xmlns:p14="http://schemas.microsoft.com/office/powerpoint/2010/main" val="708698463"/>
+              </p:ext>
+            </p:extLst>
+          </p:nvPr>
+        </p:nvGraphicFramePr>
+        <p:xfrm>
+          <a:off x="457200" y="742951"/>
+          <a:ext cx="8229600" cy="3803320"/>
+        </p:xfrm>
+        <a:graphic>
+          <a:graphicData uri="http://schemas.openxmlformats.org/drawingml/2006/table">
+            <a:tbl>
+              <a:tblPr firstRow="1" bandRow="1">
+                <a:tableStyleId>{912C8C85-51F0-491E-9774-3900AFEF0FD7}</a:tableStyleId>
+              </a:tblPr>
+              <a:tblGrid>
+                <a:gridCol w="3124200">
+                  <a:extLst>
+                    <a:ext uri="{9D8B030D-6E8A-4147-A177-3AD203B41FA5}">
+                      <a16:colId xmlns:a16="http://schemas.microsoft.com/office/drawing/2014/main" val="704179991"/>
+                    </a:ext>
+                  </a:extLst>
+                </a:gridCol>
+                <a:gridCol w="2667000">
+                  <a:extLst>
+                    <a:ext uri="{9D8B030D-6E8A-4147-A177-3AD203B41FA5}">
+                      <a16:colId xmlns:a16="http://schemas.microsoft.com/office/drawing/2014/main" val="2450600246"/>
+                    </a:ext>
+                  </a:extLst>
+                </a:gridCol>
+                <a:gridCol w="2438400">
+                  <a:extLst>
+                    <a:ext uri="{9D8B030D-6E8A-4147-A177-3AD203B41FA5}">
+                      <a16:colId xmlns:a16="http://schemas.microsoft.com/office/drawing/2014/main" val="3735205648"/>
+                    </a:ext>
+                  </a:extLst>
+                </a:gridCol>
+              </a:tblGrid>
+              <a:tr h="300416">
+                <a:tc>
+                  <a:txBody>
+                    <a:bodyPr/>
+                    <a:lstStyle/>
+                    <a:p>
+                      <a:endParaRPr lang="en-US" sz="1100" dirty="0"/>
+                    </a:p>
+                  </a:txBody>
+                  <a:tcPr anchor="ctr"/>
+                </a:tc>
+                <a:tc>
+                  <a:txBody>
+                    <a:bodyPr/>
+                    <a:lstStyle/>
+                    <a:p>
+                      <a:r>
+                        <a:rPr lang="en-US" sz="1100" dirty="0"/>
+                        <a:t>Direct Measurement TLV</a:t>
+                      </a:r>
+                    </a:p>
+                  </a:txBody>
+                  <a:tcPr anchor="ctr"/>
+                </a:tc>
+                <a:tc>
+                  <a:txBody>
+                    <a:bodyPr/>
+                    <a:lstStyle/>
+                    <a:p>
+                      <a:r>
+                        <a:rPr lang="en-US" sz="1100" dirty="0"/>
+                        <a:t>Direct Measurement Test Packet</a:t>
+                      </a:r>
+                    </a:p>
+                  </a:txBody>
+                  <a:tcPr anchor="ctr"/>
+                </a:tc>
+                <a:extLst>
+                  <a:ext uri="{0D108BD9-81ED-4DB2-BD59-A6C34878D82A}">
+                    <a16:rowId xmlns:a16="http://schemas.microsoft.com/office/drawing/2014/main" val="986713076"/>
+                  </a:ext>
+                </a:extLst>
+              </a:tr>
+              <a:tr h="413828">
+                <a:tc>
+                  <a:txBody>
+                    <a:bodyPr/>
+                    <a:lstStyle/>
+                    <a:p>
+                      <a:r>
+                        <a:rPr lang="en-US" sz="1100" dirty="0"/>
+                        <a:t>TLV processing for each received packet on session-reflector in hardware</a:t>
+                      </a:r>
+                    </a:p>
+                  </a:txBody>
+                  <a:tcPr anchor="ctr"/>
+                </a:tc>
+                <a:tc>
+                  <a:txBody>
+                    <a:bodyPr/>
+                    <a:lstStyle/>
+                    <a:p>
+                      <a:r>
+                        <a:rPr lang="en-US" sz="1100" dirty="0"/>
+                        <a:t>Yes</a:t>
+                      </a:r>
+                    </a:p>
+                  </a:txBody>
+                  <a:tcPr anchor="ctr"/>
+                </a:tc>
+                <a:tc>
+                  <a:txBody>
+                    <a:bodyPr/>
+                    <a:lstStyle/>
+                    <a:p>
+                      <a:r>
+                        <a:rPr lang="en-US" sz="1100" dirty="0"/>
+                        <a:t>No</a:t>
+                      </a:r>
+                    </a:p>
+                  </a:txBody>
+                  <a:tcPr anchor="ctr"/>
+                </a:tc>
+                <a:extLst>
+                  <a:ext uri="{0D108BD9-81ED-4DB2-BD59-A6C34878D82A}">
+                    <a16:rowId xmlns:a16="http://schemas.microsoft.com/office/drawing/2014/main" val="343301354"/>
+                  </a:ext>
+                </a:extLst>
+              </a:tr>
+              <a:tr h="300416">
+                <a:tc>
+                  <a:txBody>
+                    <a:bodyPr/>
+                    <a:lstStyle/>
+                    <a:p>
+                      <a:r>
+                        <a:rPr lang="en-US" sz="1100" dirty="0"/>
+                        <a:t>Need to write timestamp</a:t>
+                      </a:r>
+                    </a:p>
+                  </a:txBody>
+                  <a:tcPr anchor="ctr"/>
+                </a:tc>
+                <a:tc>
+                  <a:txBody>
+                    <a:bodyPr/>
+                    <a:lstStyle/>
+                    <a:p>
+                      <a:r>
+                        <a:rPr lang="en-US" sz="1100" dirty="0"/>
+                        <a:t>Yes</a:t>
+                      </a:r>
+                    </a:p>
+                  </a:txBody>
+                  <a:tcPr anchor="ctr"/>
+                </a:tc>
+                <a:tc>
+                  <a:txBody>
+                    <a:bodyPr/>
+                    <a:lstStyle/>
+                    <a:p>
+                      <a:r>
+                        <a:rPr lang="en-US" sz="1100" dirty="0"/>
+                        <a:t>No</a:t>
+                      </a:r>
+                    </a:p>
+                  </a:txBody>
+                  <a:tcPr anchor="ctr"/>
+                </a:tc>
+                <a:extLst>
+                  <a:ext uri="{0D108BD9-81ED-4DB2-BD59-A6C34878D82A}">
+                    <a16:rowId xmlns:a16="http://schemas.microsoft.com/office/drawing/2014/main" val="885516398"/>
+                  </a:ext>
+                </a:extLst>
+              </a:tr>
+              <a:tr h="576404">
+                <a:tc>
+                  <a:txBody>
+                    <a:bodyPr/>
+                    <a:lstStyle/>
+                    <a:p>
+                      <a:r>
+                        <a:rPr lang="en-US" sz="1100" dirty="0"/>
+                        <a:t>Minimum bytes to load in write-able memory</a:t>
+                      </a:r>
+                    </a:p>
+                  </a:txBody>
+                  <a:tcPr anchor="ctr"/>
+                </a:tc>
+                <a:tc>
+                  <a:txBody>
+                    <a:bodyPr/>
+                    <a:lstStyle/>
+                    <a:p>
+                      <a:r>
+                        <a:rPr lang="en-US" sz="1100" dirty="0"/>
+                        <a:t>114</a:t>
+                      </a:r>
+                    </a:p>
+                    <a:p>
+                      <a:pPr marL="0" marR="0" lvl="0" indent="0" algn="l" defTabSz="914400" rtl="0" eaLnBrk="1" fontAlgn="auto" latinLnBrk="0" hangingPunct="1">
+                        <a:lnSpc>
+                          <a:spcPct val="100000"/>
+                        </a:lnSpc>
+                        <a:spcBef>
+                          <a:spcPts val="0"/>
+                        </a:spcBef>
+                        <a:spcAft>
+                          <a:spcPts val="0"/>
+                        </a:spcAft>
+                        <a:buClrTx/>
+                        <a:buSzTx/>
+                        <a:buFontTx/>
+                        <a:buNone/>
+                        <a:tabLst/>
+                        <a:defRPr/>
+                      </a:pPr>
+                      <a:r>
+                        <a:rPr lang="en-US" sz="1100" dirty="0"/>
+                        <a:t>(Eth 18, IPv6 40, UDP 8, STAMP 44, TLV Type 4, Total = 114 Byte)</a:t>
+                      </a:r>
+                    </a:p>
+                  </a:txBody>
+                  <a:tcPr anchor="ctr"/>
+                </a:tc>
+                <a:tc>
+                  <a:txBody>
+                    <a:bodyPr/>
+                    <a:lstStyle/>
+                    <a:p>
+                      <a:r>
+                        <a:rPr lang="en-US" sz="1100" dirty="0"/>
+                        <a:t>70</a:t>
+                      </a:r>
+                    </a:p>
+                    <a:p>
+                      <a:r>
+                        <a:rPr lang="en-US" sz="1100" dirty="0"/>
+                        <a:t>(Eth 18, IPv6 40, UDP 8, Seq 4, Total = 70 Byte)</a:t>
+                      </a:r>
+                    </a:p>
+                  </a:txBody>
+                  <a:tcPr anchor="ctr"/>
+                </a:tc>
+                <a:extLst>
+                  <a:ext uri="{0D108BD9-81ED-4DB2-BD59-A6C34878D82A}">
+                    <a16:rowId xmlns:a16="http://schemas.microsoft.com/office/drawing/2014/main" val="1548510990"/>
+                  </a:ext>
+                </a:extLst>
+              </a:tr>
+              <a:tr h="413828">
+                <a:tc>
+                  <a:txBody>
+                    <a:bodyPr/>
+                    <a:lstStyle/>
+                    <a:p>
+                      <a:r>
+                        <a:rPr lang="en-US" sz="1100" dirty="0"/>
+                        <a:t>Counters at fixed location in the test packet for hardware counter-stamping</a:t>
+                      </a:r>
+                    </a:p>
+                  </a:txBody>
+                  <a:tcPr anchor="ctr"/>
+                </a:tc>
+                <a:tc>
+                  <a:txBody>
+                    <a:bodyPr/>
+                    <a:lstStyle/>
+                    <a:p>
+                      <a:r>
+                        <a:rPr lang="en-US" sz="1100" dirty="0"/>
+                        <a:t>No (TLV-based)</a:t>
+                      </a:r>
+                    </a:p>
+                  </a:txBody>
+                  <a:tcPr anchor="ctr"/>
+                </a:tc>
+                <a:tc>
+                  <a:txBody>
+                    <a:bodyPr/>
+                    <a:lstStyle/>
+                    <a:p>
+                      <a:r>
+                        <a:rPr lang="en-US" sz="1100" dirty="0"/>
+                        <a:t>Yes</a:t>
+                      </a:r>
+                    </a:p>
+                  </a:txBody>
+                  <a:tcPr anchor="ctr"/>
+                </a:tc>
+                <a:extLst>
+                  <a:ext uri="{0D108BD9-81ED-4DB2-BD59-A6C34878D82A}">
+                    <a16:rowId xmlns:a16="http://schemas.microsoft.com/office/drawing/2014/main" val="3851363012"/>
+                  </a:ext>
+                </a:extLst>
+              </a:tr>
+              <a:tr h="413828">
+                <a:tc>
+                  <a:txBody>
+                    <a:bodyPr/>
+                    <a:lstStyle/>
+                    <a:p>
+                      <a:r>
+                        <a:rPr lang="en-US" sz="1100" dirty="0"/>
+                        <a:t>Reply test packets with counters at the fixed location for hardware counter-stamping</a:t>
+                      </a:r>
+                    </a:p>
+                  </a:txBody>
+                  <a:tcPr anchor="ctr"/>
+                </a:tc>
+                <a:tc>
+                  <a:txBody>
+                    <a:bodyPr/>
+                    <a:lstStyle/>
+                    <a:p>
+                      <a:r>
+                        <a:rPr lang="en-US" sz="1100" dirty="0"/>
+                        <a:t>No</a:t>
+                      </a:r>
+                    </a:p>
+                  </a:txBody>
+                  <a:tcPr anchor="ctr"/>
+                </a:tc>
+                <a:tc>
+                  <a:txBody>
+                    <a:bodyPr/>
+                    <a:lstStyle/>
+                    <a:p>
+                      <a:r>
+                        <a:rPr lang="en-US" sz="1100" dirty="0"/>
+                        <a:t>Yes</a:t>
+                      </a:r>
+                    </a:p>
+                  </a:txBody>
+                  <a:tcPr anchor="ctr"/>
+                </a:tc>
+                <a:extLst>
+                  <a:ext uri="{0D108BD9-81ED-4DB2-BD59-A6C34878D82A}">
+                    <a16:rowId xmlns:a16="http://schemas.microsoft.com/office/drawing/2014/main" val="3051081368"/>
+                  </a:ext>
+                </a:extLst>
+              </a:tr>
+              <a:tr h="300416">
+                <a:tc>
+                  <a:txBody>
+                    <a:bodyPr/>
+                    <a:lstStyle/>
+                    <a:p>
+                      <a:r>
+                        <a:rPr lang="en-US" sz="1100" dirty="0"/>
+                        <a:t>Byte counters</a:t>
+                      </a:r>
+                    </a:p>
+                  </a:txBody>
+                  <a:tcPr anchor="ctr"/>
+                </a:tc>
+                <a:tc>
+                  <a:txBody>
+                    <a:bodyPr/>
+                    <a:lstStyle/>
+                    <a:p>
+                      <a:r>
+                        <a:rPr lang="en-US" sz="1100" dirty="0"/>
+                        <a:t>No</a:t>
+                      </a:r>
+                    </a:p>
+                  </a:txBody>
+                  <a:tcPr anchor="ctr"/>
+                </a:tc>
+                <a:tc>
+                  <a:txBody>
+                    <a:bodyPr/>
+                    <a:lstStyle/>
+                    <a:p>
+                      <a:r>
+                        <a:rPr lang="en-US" sz="1100" dirty="0"/>
+                        <a:t>Yes</a:t>
+                      </a:r>
+                    </a:p>
+                  </a:txBody>
+                  <a:tcPr anchor="ctr"/>
+                </a:tc>
+                <a:extLst>
+                  <a:ext uri="{0D108BD9-81ED-4DB2-BD59-A6C34878D82A}">
+                    <a16:rowId xmlns:a16="http://schemas.microsoft.com/office/drawing/2014/main" val="1938200809"/>
+                  </a:ext>
+                </a:extLst>
+              </a:tr>
+              <a:tr h="300416">
+                <a:tc>
+                  <a:txBody>
+                    <a:bodyPr/>
+                    <a:lstStyle/>
+                    <a:p>
+                      <a:r>
+                        <a:rPr lang="en-US" sz="1100" dirty="0"/>
+                        <a:t>64-bit packet and byte counters</a:t>
+                      </a:r>
+                    </a:p>
+                  </a:txBody>
+                  <a:tcPr anchor="ctr"/>
+                </a:tc>
+                <a:tc>
+                  <a:txBody>
+                    <a:bodyPr/>
+                    <a:lstStyle/>
+                    <a:p>
+                      <a:r>
+                        <a:rPr lang="en-US" sz="1100" dirty="0"/>
+                        <a:t>No</a:t>
+                      </a:r>
+                    </a:p>
+                  </a:txBody>
+                  <a:tcPr anchor="ctr"/>
+                </a:tc>
+                <a:tc>
+                  <a:txBody>
+                    <a:bodyPr/>
+                    <a:lstStyle/>
+                    <a:p>
+                      <a:r>
+                        <a:rPr lang="en-US" sz="1100" dirty="0"/>
+                        <a:t>Yes</a:t>
+                      </a:r>
+                    </a:p>
+                  </a:txBody>
+                  <a:tcPr anchor="ctr"/>
+                </a:tc>
+                <a:extLst>
+                  <a:ext uri="{0D108BD9-81ED-4DB2-BD59-A6C34878D82A}">
+                    <a16:rowId xmlns:a16="http://schemas.microsoft.com/office/drawing/2014/main" val="1349895673"/>
+                  </a:ext>
+                </a:extLst>
+              </a:tr>
+              <a:tr h="413828">
+                <a:tc>
+                  <a:txBody>
+                    <a:bodyPr/>
+                    <a:lstStyle/>
+                    <a:p>
+                      <a:r>
+                        <a:rPr lang="en-US" sz="1100" dirty="0"/>
+                        <a:t>Alternate-marking method packet loss - using block number for counters</a:t>
+                      </a:r>
+                    </a:p>
+                  </a:txBody>
+                  <a:tcPr anchor="ctr"/>
+                </a:tc>
+                <a:tc>
+                  <a:txBody>
+                    <a:bodyPr/>
+                    <a:lstStyle/>
+                    <a:p>
+                      <a:r>
+                        <a:rPr lang="en-US" sz="1100" dirty="0"/>
+                        <a:t>No</a:t>
+                      </a:r>
+                    </a:p>
+                  </a:txBody>
+                  <a:tcPr anchor="ctr"/>
+                </a:tc>
+                <a:tc>
+                  <a:txBody>
+                    <a:bodyPr/>
+                    <a:lstStyle/>
+                    <a:p>
+                      <a:r>
+                        <a:rPr lang="en-US" sz="1100" dirty="0"/>
+                        <a:t>Yes</a:t>
+                      </a:r>
+                    </a:p>
+                  </a:txBody>
+                  <a:tcPr anchor="ctr"/>
+                </a:tc>
+                <a:extLst>
+                  <a:ext uri="{0D108BD9-81ED-4DB2-BD59-A6C34878D82A}">
+                    <a16:rowId xmlns:a16="http://schemas.microsoft.com/office/drawing/2014/main" val="1162393880"/>
+                  </a:ext>
+                </a:extLst>
+              </a:tr>
+              <a:tr h="300416">
+                <a:tc>
+                  <a:txBody>
+                    <a:bodyPr/>
+                    <a:lstStyle/>
+                    <a:p>
+                      <a:r>
+                        <a:rPr lang="en-US" sz="1100" dirty="0"/>
+                        <a:t>Per Traffic Class Counters</a:t>
+                      </a:r>
+                    </a:p>
+                  </a:txBody>
+                  <a:tcPr anchor="ctr"/>
+                </a:tc>
+                <a:tc>
+                  <a:txBody>
+                    <a:bodyPr/>
+                    <a:lstStyle/>
+                    <a:p>
+                      <a:r>
+                        <a:rPr lang="en-US" sz="1100" dirty="0"/>
+                        <a:t>No</a:t>
+                      </a:r>
+                    </a:p>
+                  </a:txBody>
+                  <a:tcPr anchor="ctr"/>
+                </a:tc>
+                <a:tc>
+                  <a:txBody>
+                    <a:bodyPr/>
+                    <a:lstStyle/>
+                    <a:p>
+                      <a:r>
+                        <a:rPr lang="en-US" sz="1100" dirty="0"/>
+                        <a:t>Yes</a:t>
+                      </a:r>
+                    </a:p>
+                  </a:txBody>
+                  <a:tcPr anchor="ctr"/>
+                </a:tc>
+                <a:extLst>
+                  <a:ext uri="{0D108BD9-81ED-4DB2-BD59-A6C34878D82A}">
+                    <a16:rowId xmlns:a16="http://schemas.microsoft.com/office/drawing/2014/main" val="3160012194"/>
+                  </a:ext>
+                </a:extLst>
+              </a:tr>
+            </a:tbl>
+          </a:graphicData>
+        </a:graphic>
+      </p:graphicFrame>
       <p:sp>
         <p:nvSpPr>
           <p:cNvPr id="4" name="Footer Placeholder 3">
             <a:extLst>
               <a:ext uri="{FF2B5EF4-FFF2-40B4-BE49-F238E27FC236}">
-                <a16:creationId xmlns:a16="http://schemas.microsoft.com/office/drawing/2014/main" id="{CB8D67C0-89E5-374E-B41C-9DEF915C2EEC}"/>
+                <a16:creationId xmlns:a16="http://schemas.microsoft.com/office/drawing/2014/main" id="{E9FFCCBF-2B89-5749-BBD7-F4AA1FD7FFD0}"/>
               </a:ext>
             </a:extLst>
           </p:cNvPr>
@@ -11048,12 +11593,7 @@
             <p:ph type="ftr" sz="quarter" idx="11"/>
           </p:nvPr>
         </p:nvSpPr>
-        <p:spPr>
-          <a:xfrm>
-            <a:off x="3124200" y="4770411"/>
-            <a:ext cx="2895600" cy="357188"/>
-          </a:xfrm>
-        </p:spPr>
+        <p:spPr/>
         <p:txBody>
           <a:bodyPr/>
           <a:lstStyle/>
@@ -11062,17 +11602,18 @@
               <a:defRPr/>
             </a:pPr>
             <a:r>
-              <a:rPr lang="en-US" altLang="zh-CN" dirty="0"/>
+              <a:rPr lang="en-US" altLang="zh-CN"/>
               <a:t>110</a:t>
             </a:r>
             <a:r>
-              <a:rPr lang="en-US" altLang="zh-CN" baseline="30000" dirty="0"/>
+              <a:rPr lang="en-US" altLang="zh-CN" baseline="30000"/>
               <a:t>th</a:t>
             </a:r>
             <a:r>
-              <a:rPr lang="en-US" altLang="zh-CN" dirty="0"/>
+              <a:rPr lang="en-US" altLang="zh-CN"/>
               <a:t> IETF Online</a:t>
             </a:r>
+            <a:endParaRPr lang="en-US" altLang="zh-CN" dirty="0"/>
           </a:p>
         </p:txBody>
       </p:sp>
@@ -11081,7 +11622,7 @@
           <p:cNvPr id="5" name="Slide Number Placeholder 4">
             <a:extLst>
               <a:ext uri="{FF2B5EF4-FFF2-40B4-BE49-F238E27FC236}">
-                <a16:creationId xmlns:a16="http://schemas.microsoft.com/office/drawing/2014/main" id="{133C7FE1-4960-BC41-A460-DC72E1AC9389}"/>
+                <a16:creationId xmlns:a16="http://schemas.microsoft.com/office/drawing/2014/main" id="{8556A2D4-72D0-D141-A7FF-96D0B0563AC1}"/>
               </a:ext>
             </a:extLst>
           </p:cNvPr>
@@ -11092,12 +11633,7 @@
             <p:ph type="sldNum" sz="quarter" idx="12"/>
           </p:nvPr>
         </p:nvSpPr>
-        <p:spPr>
-          <a:xfrm>
-            <a:off x="6553200" y="4752512"/>
-            <a:ext cx="2133600" cy="357188"/>
-          </a:xfrm>
-        </p:spPr>
+        <p:spPr/>
         <p:txBody>
           <a:bodyPr/>
           <a:lstStyle/>
@@ -11112,477 +11648,14 @@
               </a:pPr>
               <a:t>5</a:t>
             </a:fld>
-            <a:endParaRPr lang="en-US" altLang="zh-CN" dirty="0"/>
-          </a:p>
-        </p:txBody>
-      </p:sp>
-      <p:sp>
-        <p:nvSpPr>
-          <p:cNvPr id="8" name="Content Placeholder 7">
-            <a:extLst>
-              <a:ext uri="{FF2B5EF4-FFF2-40B4-BE49-F238E27FC236}">
-                <a16:creationId xmlns:a16="http://schemas.microsoft.com/office/drawing/2014/main" id="{466A720A-6AD8-EC49-B5E6-EC81581B621A}"/>
-              </a:ext>
-            </a:extLst>
-          </p:cNvPr>
-          <p:cNvSpPr>
-            <a:spLocks noGrp="1"/>
-          </p:cNvSpPr>
-          <p:nvPr>
-            <p:ph idx="1"/>
-          </p:nvPr>
-        </p:nvSpPr>
-        <p:spPr>
-          <a:xfrm>
-            <a:off x="254725" y="874514"/>
-            <a:ext cx="4474029" cy="3809404"/>
-          </a:xfrm>
-          <a:ln>
-            <a:solidFill>
-              <a:schemeClr val="accent1"/>
-            </a:solidFill>
-          </a:ln>
-        </p:spPr>
-        <p:txBody>
-          <a:bodyPr/>
-          <a:lstStyle/>
-          <a:p>
-            <a:pPr marL="0" indent="0">
-              <a:buNone/>
-            </a:pPr>
-            <a:r>
-              <a:rPr lang="en-US" sz="1050" dirty="0"/>
-              <a:t>STAMP Direct Measurement TLV </a:t>
-            </a:r>
-          </a:p>
-          <a:p>
-            <a:pPr>
-              <a:buFont typeface="+mj-lt"/>
-              <a:buAutoNum type="arabicPeriod"/>
-            </a:pPr>
-            <a:r>
-              <a:rPr lang="en-US" sz="1050" dirty="0"/>
-              <a:t>Complex to implement counter collection in hardware for Sender TX, Reflector RX and Reflector TX to detect packet loss.</a:t>
-            </a:r>
-          </a:p>
-          <a:p>
-            <a:pPr lvl="1"/>
-            <a:r>
-              <a:rPr lang="en-US" sz="1050" dirty="0"/>
-              <a:t>Session-reflector hardware to parse STAMP TLVs in receive packets to decide if receive counter to be punted to the control-plane</a:t>
-            </a:r>
-          </a:p>
-          <a:p>
-            <a:pPr lvl="1"/>
-            <a:r>
-              <a:rPr lang="en-US" sz="1050" dirty="0"/>
-              <a:t>Reply test packet with transmit counter NOT at the same location – needed for hardware counter-stamping (like STAMP timestamp)</a:t>
-            </a:r>
-          </a:p>
-          <a:p>
-            <a:pPr lvl="1"/>
-            <a:r>
-              <a:rPr lang="en-US" sz="1050" dirty="0"/>
-              <a:t>Hardware needs to write both timestamp and counter in the injected packet – not capable</a:t>
-            </a:r>
-          </a:p>
-          <a:p>
-            <a:pPr>
-              <a:buFont typeface="+mj-lt"/>
-              <a:buAutoNum type="arabicPeriod"/>
-            </a:pPr>
-            <a:r>
-              <a:rPr lang="en-US" sz="1050" dirty="0"/>
-              <a:t>Need STAMP TLV processing in hardware</a:t>
-            </a:r>
-          </a:p>
-          <a:p>
-            <a:pPr>
-              <a:buFont typeface="+mj-lt"/>
-              <a:buAutoNum type="arabicPeriod"/>
-            </a:pPr>
-            <a:r>
-              <a:rPr lang="en-US" sz="1050" dirty="0"/>
-              <a:t>Counter not at fixed location due to TLVs</a:t>
-            </a:r>
-          </a:p>
-          <a:p>
-            <a:pPr>
-              <a:buFont typeface="+mj-lt"/>
-              <a:buAutoNum type="arabicPeriod"/>
-            </a:pPr>
-            <a:r>
-              <a:rPr lang="en-US" sz="1050" dirty="0"/>
-              <a:t>Counter location deeper into the packet (Eth 18, IPv6 40, UDP 8, STAMP 44, TLV Type 4, Total = 114 Byte) – load into write-able memory</a:t>
-            </a:r>
-          </a:p>
-          <a:p>
-            <a:pPr>
-              <a:buFont typeface="+mj-lt"/>
-              <a:buAutoNum type="arabicPeriod"/>
-            </a:pPr>
-            <a:r>
-              <a:rPr lang="en-US" sz="1050" dirty="0"/>
-              <a:t>Direct Measurement TLV supports </a:t>
-            </a:r>
-            <a:r>
-              <a:rPr lang="en-US" sz="1050" b="1" dirty="0"/>
-              <a:t>32-bit packet</a:t>
-            </a:r>
-            <a:r>
-              <a:rPr lang="en-US" sz="1050" dirty="0"/>
-              <a:t> counters</a:t>
-            </a:r>
-          </a:p>
-          <a:p>
-            <a:pPr>
-              <a:buFont typeface="+mj-lt"/>
-              <a:buAutoNum type="arabicPeriod"/>
-            </a:pPr>
-            <a:r>
-              <a:rPr lang="en-US" sz="1050" dirty="0"/>
-              <a:t>For control-plane implementation, how can we measure packet loss without alternate marking method (block number)?</a:t>
-            </a:r>
-          </a:p>
-          <a:p>
-            <a:pPr>
-              <a:buFont typeface="+mj-lt"/>
-              <a:buAutoNum type="arabicPeriod"/>
-            </a:pPr>
-            <a:r>
-              <a:rPr lang="en-US" sz="1050" dirty="0"/>
-              <a:t>Does not support per-traffic class direct measurement (DSCP TLV processing not specified for Counters)</a:t>
-            </a:r>
-          </a:p>
-          <a:p>
-            <a:pPr>
-              <a:buFont typeface="+mj-lt"/>
-              <a:buAutoNum type="arabicPeriod"/>
-            </a:pPr>
-            <a:endParaRPr lang="en-US" sz="1050" dirty="0"/>
-          </a:p>
-          <a:p>
-            <a:pPr>
-              <a:buFont typeface="+mj-lt"/>
-              <a:buAutoNum type="arabicPeriod"/>
-            </a:pPr>
-            <a:endParaRPr lang="en-US" sz="1050" dirty="0"/>
-          </a:p>
-        </p:txBody>
-      </p:sp>
-      <p:sp>
-        <p:nvSpPr>
-          <p:cNvPr id="9" name="Content Placeholder 7">
-            <a:extLst>
-              <a:ext uri="{FF2B5EF4-FFF2-40B4-BE49-F238E27FC236}">
-                <a16:creationId xmlns:a16="http://schemas.microsoft.com/office/drawing/2014/main" id="{FA87E178-4F83-6041-AC6A-C4AD6FF8ED38}"/>
-              </a:ext>
-            </a:extLst>
-          </p:cNvPr>
-          <p:cNvSpPr txBox="1">
-            <a:spLocks/>
-          </p:cNvSpPr>
-          <p:nvPr/>
-        </p:nvSpPr>
-        <p:spPr bwMode="auto">
-          <a:xfrm>
-            <a:off x="4724400" y="874513"/>
-            <a:ext cx="4223658" cy="3809405"/>
-          </a:xfrm>
-          <a:prstGeom prst="rect">
-            <a:avLst/>
-          </a:prstGeom>
-          <a:noFill/>
-          <a:ln w="9525">
-            <a:solidFill>
-              <a:schemeClr val="accent1"/>
-            </a:solidFill>
-            <a:miter lim="800000"/>
-            <a:headEnd/>
-            <a:tailEnd/>
-          </a:ln>
-        </p:spPr>
-        <p:txBody>
-          <a:bodyPr vert="horz" wrap="square" lIns="91440" tIns="45720" rIns="91440" bIns="45720" numCol="1" anchor="t" anchorCtr="0" compatLnSpc="1">
-            <a:prstTxWarp prst="textNoShape">
-              <a:avLst/>
-            </a:prstTxWarp>
-          </a:bodyPr>
-          <a:lstStyle>
-            <a:lvl1pPr marL="342900" indent="-342900" algn="l" rtl="0" eaLnBrk="0" fontAlgn="base" hangingPunct="0">
-              <a:spcBef>
-                <a:spcPct val="20000"/>
-              </a:spcBef>
-              <a:spcAft>
-                <a:spcPct val="0"/>
-              </a:spcAft>
-              <a:buChar char="•"/>
-              <a:defRPr sz="3200">
-                <a:solidFill>
-                  <a:schemeClr val="tx1"/>
-                </a:solidFill>
-                <a:latin typeface="Calibri" charset="0"/>
-                <a:ea typeface="Calibri" charset="0"/>
-                <a:cs typeface="Calibri" charset="0"/>
-              </a:defRPr>
-            </a:lvl1pPr>
-            <a:lvl2pPr marL="742950" indent="-285750" algn="l" rtl="0" eaLnBrk="0" fontAlgn="base" hangingPunct="0">
-              <a:spcBef>
-                <a:spcPct val="20000"/>
-              </a:spcBef>
-              <a:spcAft>
-                <a:spcPct val="0"/>
-              </a:spcAft>
-              <a:buChar char="–"/>
-              <a:defRPr sz="2800">
-                <a:solidFill>
-                  <a:schemeClr val="tx1"/>
-                </a:solidFill>
-                <a:latin typeface="Calibri" charset="0"/>
-                <a:ea typeface="Calibri" charset="0"/>
-                <a:cs typeface="Calibri" charset="0"/>
-              </a:defRPr>
-            </a:lvl2pPr>
-            <a:lvl3pPr marL="1143000" indent="-228600" algn="l" rtl="0" eaLnBrk="0" fontAlgn="base" hangingPunct="0">
-              <a:spcBef>
-                <a:spcPct val="20000"/>
-              </a:spcBef>
-              <a:spcAft>
-                <a:spcPct val="0"/>
-              </a:spcAft>
-              <a:buChar char="•"/>
-              <a:defRPr sz="2400">
-                <a:solidFill>
-                  <a:schemeClr val="tx1"/>
-                </a:solidFill>
-                <a:latin typeface="Calibri" charset="0"/>
-                <a:ea typeface="Calibri" charset="0"/>
-                <a:cs typeface="Calibri" charset="0"/>
-              </a:defRPr>
-            </a:lvl3pPr>
-            <a:lvl4pPr marL="1600200" indent="-228600" algn="l" rtl="0" eaLnBrk="0" fontAlgn="base" hangingPunct="0">
-              <a:spcBef>
-                <a:spcPct val="20000"/>
-              </a:spcBef>
-              <a:spcAft>
-                <a:spcPct val="0"/>
-              </a:spcAft>
-              <a:buChar char="–"/>
-              <a:defRPr sz="2000">
-                <a:solidFill>
-                  <a:schemeClr val="tx1"/>
-                </a:solidFill>
-                <a:latin typeface="Calibri" charset="0"/>
-                <a:ea typeface="Calibri" charset="0"/>
-                <a:cs typeface="Calibri" charset="0"/>
-              </a:defRPr>
-            </a:lvl4pPr>
-            <a:lvl5pPr marL="2057400" indent="-228600" algn="l" rtl="0" eaLnBrk="0" fontAlgn="base" hangingPunct="0">
-              <a:spcBef>
-                <a:spcPct val="20000"/>
-              </a:spcBef>
-              <a:spcAft>
-                <a:spcPct val="0"/>
-              </a:spcAft>
-              <a:buChar char="»"/>
-              <a:defRPr sz="2000">
-                <a:solidFill>
-                  <a:schemeClr val="tx1"/>
-                </a:solidFill>
-                <a:latin typeface="Calibri" charset="0"/>
-                <a:ea typeface="Calibri" charset="0"/>
-                <a:cs typeface="Calibri" charset="0"/>
-              </a:defRPr>
-            </a:lvl5pPr>
-            <a:lvl6pPr marL="2514600" indent="-228600" algn="l" rtl="0" fontAlgn="base">
-              <a:spcBef>
-                <a:spcPct val="20000"/>
-              </a:spcBef>
-              <a:spcAft>
-                <a:spcPct val="0"/>
-              </a:spcAft>
-              <a:buChar char="»"/>
-              <a:defRPr sz="2000">
-                <a:solidFill>
-                  <a:schemeClr val="tx1"/>
-                </a:solidFill>
-                <a:latin typeface="+mn-lt"/>
-                <a:ea typeface="+mn-ea"/>
-              </a:defRPr>
-            </a:lvl6pPr>
-            <a:lvl7pPr marL="2971800" indent="-228600" algn="l" rtl="0" fontAlgn="base">
-              <a:spcBef>
-                <a:spcPct val="20000"/>
-              </a:spcBef>
-              <a:spcAft>
-                <a:spcPct val="0"/>
-              </a:spcAft>
-              <a:buChar char="»"/>
-              <a:defRPr sz="2000">
-                <a:solidFill>
-                  <a:schemeClr val="tx1"/>
-                </a:solidFill>
-                <a:latin typeface="+mn-lt"/>
-                <a:ea typeface="+mn-ea"/>
-              </a:defRPr>
-            </a:lvl7pPr>
-            <a:lvl8pPr marL="3429000" indent="-228600" algn="l" rtl="0" fontAlgn="base">
-              <a:spcBef>
-                <a:spcPct val="20000"/>
-              </a:spcBef>
-              <a:spcAft>
-                <a:spcPct val="0"/>
-              </a:spcAft>
-              <a:buChar char="»"/>
-              <a:defRPr sz="2000">
-                <a:solidFill>
-                  <a:schemeClr val="tx1"/>
-                </a:solidFill>
-                <a:latin typeface="+mn-lt"/>
-                <a:ea typeface="+mn-ea"/>
-              </a:defRPr>
-            </a:lvl8pPr>
-            <a:lvl9pPr marL="3886200" indent="-228600" algn="l" rtl="0" fontAlgn="base">
-              <a:spcBef>
-                <a:spcPct val="20000"/>
-              </a:spcBef>
-              <a:spcAft>
-                <a:spcPct val="0"/>
-              </a:spcAft>
-              <a:buChar char="»"/>
-              <a:defRPr sz="2000">
-                <a:solidFill>
-                  <a:schemeClr val="tx1"/>
-                </a:solidFill>
-                <a:latin typeface="+mn-lt"/>
-                <a:ea typeface="+mn-ea"/>
-              </a:defRPr>
-            </a:lvl9pPr>
-          </a:lstStyle>
-          <a:p>
-            <a:pPr marL="0" indent="0">
-              <a:buNone/>
-            </a:pPr>
-            <a:r>
-              <a:rPr lang="en-US" sz="1050" kern="0" dirty="0"/>
-              <a:t>Direct Measurement Test Packet</a:t>
-            </a:r>
-          </a:p>
-          <a:p>
-            <a:pPr>
-              <a:buFont typeface="+mj-lt"/>
-              <a:buAutoNum type="arabicPeriod"/>
-            </a:pPr>
-            <a:r>
-              <a:rPr lang="en-US" sz="1050" kern="0" dirty="0"/>
-              <a:t>Suitable for collecting data packet counters from hardware – inline counter-stamping (for P2P connections)</a:t>
-            </a:r>
-          </a:p>
-          <a:p>
-            <a:pPr lvl="1"/>
-            <a:r>
-              <a:rPr lang="en-US" sz="1050" kern="0" dirty="0"/>
-              <a:t>Reply test packet with transmit counter at the same location – important property for hardware counter-stamping (like STAMP timestamp)</a:t>
-            </a:r>
-          </a:p>
-          <a:p>
-            <a:pPr>
-              <a:buFont typeface="+mj-lt"/>
-              <a:buAutoNum type="arabicPeriod"/>
-            </a:pPr>
-            <a:r>
-              <a:rPr lang="en-US" sz="1050" kern="0" dirty="0"/>
-              <a:t>No TLV processing in hardware</a:t>
-            </a:r>
-          </a:p>
-          <a:p>
-            <a:pPr>
-              <a:buFont typeface="+mj-lt"/>
-              <a:buAutoNum type="arabicPeriod"/>
-            </a:pPr>
-            <a:r>
-              <a:rPr lang="en-US" sz="1050" dirty="0"/>
-              <a:t>Counter at fixed location, well-known location for SRv6 network programming, needed for hardware implementation</a:t>
-            </a:r>
-          </a:p>
-          <a:p>
-            <a:pPr>
-              <a:buFont typeface="+mj-lt"/>
-              <a:buAutoNum type="arabicPeriod"/>
-            </a:pPr>
-            <a:r>
-              <a:rPr lang="en-US" sz="1050" dirty="0"/>
-              <a:t>Counter location earlier into the packet  (Eth 18, IPv6 40, UDP 8, Seq 4, Total = 70 Byte)</a:t>
-            </a:r>
-          </a:p>
-          <a:p>
-            <a:pPr>
-              <a:buFont typeface="+mj-lt"/>
-              <a:buAutoNum type="arabicPeriod"/>
-            </a:pPr>
-            <a:r>
-              <a:rPr lang="en-US" sz="1050" kern="0" dirty="0"/>
-              <a:t>Direct Measurement Test Packet supports </a:t>
-            </a:r>
-            <a:r>
-              <a:rPr lang="en-US" sz="1050" b="1" kern="0" dirty="0"/>
-              <a:t>32-bit</a:t>
-            </a:r>
-            <a:r>
-              <a:rPr lang="en-US" sz="1050" kern="0" dirty="0"/>
-              <a:t> </a:t>
-            </a:r>
-            <a:r>
-              <a:rPr lang="en-US" sz="1050" b="1" kern="0" dirty="0"/>
-              <a:t>packet and byte </a:t>
-            </a:r>
-            <a:r>
-              <a:rPr lang="en-US" sz="1050" kern="0" dirty="0"/>
-              <a:t>counters and </a:t>
-            </a:r>
-            <a:r>
-              <a:rPr lang="en-US" sz="1050" b="1" kern="0" dirty="0"/>
-              <a:t>64-bit</a:t>
-            </a:r>
-            <a:r>
-              <a:rPr lang="en-US" sz="1050" kern="0" dirty="0"/>
-              <a:t> </a:t>
-            </a:r>
-            <a:r>
-              <a:rPr lang="en-US" sz="1050" b="1" kern="0" dirty="0"/>
-              <a:t>packet and byte </a:t>
-            </a:r>
-            <a:r>
-              <a:rPr lang="en-US" sz="1050" kern="0" dirty="0"/>
-              <a:t>counters</a:t>
-            </a:r>
-          </a:p>
-          <a:p>
-            <a:pPr>
-              <a:buFont typeface="+mj-lt"/>
-              <a:buAutoNum type="arabicPeriod"/>
-            </a:pPr>
-            <a:r>
-              <a:rPr lang="en-US" sz="1050" kern="0" dirty="0"/>
-              <a:t>Direct Measurement Test Packet identifies the block number of the counters - used for alternate marking method (RFC 8321) for control-plane based packet loss </a:t>
-            </a:r>
-          </a:p>
-          <a:p>
-            <a:pPr>
-              <a:buFont typeface="+mj-lt"/>
-              <a:buAutoNum type="arabicPeriod"/>
-            </a:pPr>
-            <a:r>
-              <a:rPr lang="en-US" sz="1050" kern="0" dirty="0"/>
-              <a:t>Per traffic-class counter collection (per traffic-class loss measurement) (e.g., drop best effort traffic)</a:t>
-            </a:r>
+            <a:endParaRPr lang="en-US" altLang="zh-CN"/>
           </a:p>
         </p:txBody>
       </p:sp>
     </p:spTree>
     <p:extLst>
       <p:ext uri="{BB962C8B-B14F-4D97-AF65-F5344CB8AC3E}">
-        <p14:creationId xmlns:p14="http://schemas.microsoft.com/office/powerpoint/2010/main" val="671161285"/>
+        <p14:creationId xmlns:p14="http://schemas.microsoft.com/office/powerpoint/2010/main" val="428430588"/>
       </p:ext>
     </p:extLst>
   </p:cSld>
@@ -11648,14 +11721,14 @@
               </a14:hiddenLine>
             </a:ext>
             <a:ext uri="{909E8E84-426E-40dd-AFC4-6F175D3DCCD1}">
-              <a14:hiddenFill xmlns:a14="http://schemas.microsoft.com/office/drawing/2010/main" xmlns="">
+              <a14:hiddenFill xmlns="" xmlns:a14="http://schemas.microsoft.com/office/drawing/2010/main">
                 <a:solidFill>
                   <a:srgbClr val="FFFFFF"/>
                 </a:solidFill>
               </a14:hiddenFill>
             </a:ext>
             <a:ext uri="{91240B29-F687-4f45-9708-019B960494DF}">
-              <a14:hiddenLine xmlns:a14="http://schemas.microsoft.com/office/drawing/2010/main" xmlns="" w="9525">
+              <a14:hiddenLine xmlns="" xmlns:a14="http://schemas.microsoft.com/office/drawing/2010/main" w="9525">
                 <a:solidFill>
                   <a:srgbClr val="000000"/>
                 </a:solidFill>

--- a/draft-gandhi-ippm-stamp-direct-00.pptx
+++ b/draft-gandhi-ippm-stamp-direct-00.pptx
@@ -254,7 +254,7 @@
           <a:p>
             <a:fld id="{E8FA3DB5-7722-3F4F-947D-12B203669AD7}" type="datetimeFigureOut">
               <a:rPr lang="en-US" smtClean="0"/>
-              <a:t>1/26/21</a:t>
+              <a:t>1/26/2021</a:t>
             </a:fld>
             <a:endParaRPr lang="en-US"/>
           </a:p>
@@ -2420,14 +2420,14 @@
           </a:ln>
           <a:extLst>
             <a:ext uri="{909E8E84-426E-40dd-AFC4-6F175D3DCCD1}">
-              <a14:hiddenFill xmlns="" xmlns:a14="http://schemas.microsoft.com/office/drawing/2010/main">
+              <a14:hiddenFill xmlns:a14="http://schemas.microsoft.com/office/drawing/2010/main" xmlns="">
                 <a:solidFill>
                   <a:srgbClr val="FFFFFF"/>
                 </a:solidFill>
               </a14:hiddenFill>
             </a:ext>
             <a:ext uri="{91240B29-F687-4f45-9708-019B960494DF}">
-              <a14:hiddenLine xmlns="" xmlns:a14="http://schemas.microsoft.com/office/drawing/2010/main" w="9525">
+              <a14:hiddenLine xmlns:a14="http://schemas.microsoft.com/office/drawing/2010/main" xmlns="" w="9525">
                 <a:solidFill>
                   <a:srgbClr val="000000"/>
                 </a:solidFill>
@@ -2680,7 +2680,7 @@
               </a14:hiddenLine>
             </a:ext>
             <a:ext uri="{FAA26D3D-D897-4be2-8F04-BA451C77F1D7}">
-              <ma14:placeholderFlag xmlns="" xmlns:ma14="http://schemas.microsoft.com/office/mac/drawingml/2011/main" val="1"/>
+              <ma14:placeholderFlag xmlns:ma14="http://schemas.microsoft.com/office/mac/drawingml/2011/main" xmlns="" val="1"/>
             </a:ext>
           </a:extLst>
         </p:spPr>
@@ -11049,14 +11049,14 @@
             <p:ph idx="1"/>
             <p:extLst>
               <p:ext uri="{D42A27DB-BD31-4B8C-83A1-F6EECF244321}">
-                <p14:modId xmlns:p14="http://schemas.microsoft.com/office/powerpoint/2010/main" val="708698463"/>
+                <p14:modId xmlns:p14="http://schemas.microsoft.com/office/powerpoint/2010/main" val="3910406910"/>
               </p:ext>
             </p:extLst>
           </p:nvPr>
         </p:nvGraphicFramePr>
         <p:xfrm>
           <a:off x="457200" y="742951"/>
-          <a:ext cx="8229600" cy="3803320"/>
+          <a:ext cx="8229600" cy="3764280"/>
         </p:xfrm>
         <a:graphic>
           <a:graphicData uri="http://schemas.openxmlformats.org/drawingml/2006/table">
@@ -11072,14 +11072,14 @@
                     </a:ext>
                   </a:extLst>
                 </a:gridCol>
-                <a:gridCol w="2667000">
+                <a:gridCol w="2438400">
                   <a:extLst>
                     <a:ext uri="{9D8B030D-6E8A-4147-A177-3AD203B41FA5}">
                       <a16:colId xmlns:a16="http://schemas.microsoft.com/office/drawing/2014/main" val="2450600246"/>
                     </a:ext>
                   </a:extLst>
                 </a:gridCol>
-                <a:gridCol w="2438400">
+                <a:gridCol w="2667000">
                   <a:extLst>
                     <a:ext uri="{9D8B030D-6E8A-4147-A177-3AD203B41FA5}">
                       <a16:colId xmlns:a16="http://schemas.microsoft.com/office/drawing/2014/main" val="3735205648"/>
@@ -11087,7 +11087,7 @@
                   </a:extLst>
                 </a:gridCol>
               </a:tblGrid>
-              <a:tr h="300416">
+              <a:tr h="241541">
                 <a:tc>
                   <a:txBody>
                     <a:bodyPr/>
@@ -11130,7 +11130,7 @@
                   </a:ext>
                 </a:extLst>
               </a:tr>
-              <a:tr h="413828">
+              <a:tr h="357587">
                 <a:tc>
                   <a:txBody>
                     <a:bodyPr/>
@@ -11176,7 +11176,7 @@
                   </a:ext>
                 </a:extLst>
               </a:tr>
-              <a:tr h="300416">
+              <a:tr h="241541">
                 <a:tc>
                   <a:txBody>
                     <a:bodyPr/>
@@ -11222,7 +11222,7 @@
                   </a:ext>
                 </a:extLst>
               </a:tr>
-              <a:tr h="576404">
+              <a:tr h="498067">
                 <a:tc>
                   <a:txBody>
                     <a:bodyPr/>
@@ -11297,7 +11297,7 @@
                   </a:ext>
                 </a:extLst>
               </a:tr>
-              <a:tr h="413828">
+              <a:tr h="357587">
                 <a:tc>
                   <a:txBody>
                     <a:bodyPr/>
@@ -11343,7 +11343,7 @@
                   </a:ext>
                 </a:extLst>
               </a:tr>
-              <a:tr h="413828">
+              <a:tr h="357587">
                 <a:tc>
                   <a:txBody>
                     <a:bodyPr/>
@@ -11389,7 +11389,7 @@
                   </a:ext>
                 </a:extLst>
               </a:tr>
-              <a:tr h="300416">
+              <a:tr h="241541">
                 <a:tc>
                   <a:txBody>
                     <a:bodyPr/>
@@ -11435,7 +11435,7 @@
                   </a:ext>
                 </a:extLst>
               </a:tr>
-              <a:tr h="300416">
+              <a:tr h="241541">
                 <a:tc>
                   <a:txBody>
                     <a:bodyPr/>
@@ -11481,7 +11481,7 @@
                   </a:ext>
                 </a:extLst>
               </a:tr>
-              <a:tr h="413828">
+              <a:tr h="498067">
                 <a:tc>
                   <a:txBody>
                     <a:bodyPr/>
@@ -11490,6 +11490,12 @@
                       <a:r>
                         <a:rPr lang="en-US" sz="1100" dirty="0"/>
                         <a:t>Alternate-marking method packet loss - using block number for counters</a:t>
+                      </a:r>
+                    </a:p>
+                    <a:p>
+                      <a:r>
+                        <a:rPr lang="en-US" sz="1100" dirty="0"/>
+                        <a:t>(out-of-order data packet support)</a:t>
                       </a:r>
                     </a:p>
                   </a:txBody>
@@ -11527,7 +11533,7 @@
                   </a:ext>
                 </a:extLst>
               </a:tr>
-              <a:tr h="300416">
+              <a:tr h="241541">
                 <a:tc>
                   <a:txBody>
                     <a:bodyPr/>
@@ -11721,14 +11727,14 @@
               </a14:hiddenLine>
             </a:ext>
             <a:ext uri="{909E8E84-426E-40dd-AFC4-6F175D3DCCD1}">
-              <a14:hiddenFill xmlns="" xmlns:a14="http://schemas.microsoft.com/office/drawing/2010/main">
+              <a14:hiddenFill xmlns:a14="http://schemas.microsoft.com/office/drawing/2010/main" xmlns="">
                 <a:solidFill>
                   <a:srgbClr val="FFFFFF"/>
                 </a:solidFill>
               </a14:hiddenFill>
             </a:ext>
             <a:ext uri="{91240B29-F687-4f45-9708-019B960494DF}">
-              <a14:hiddenLine xmlns="" xmlns:a14="http://schemas.microsoft.com/office/drawing/2010/main" w="9525">
+              <a14:hiddenLine xmlns:a14="http://schemas.microsoft.com/office/drawing/2010/main" xmlns="" w="9525">
                 <a:solidFill>
                   <a:srgbClr val="000000"/>
                 </a:solidFill>

--- a/draft-gandhi-ippm-stamp-direct-00.pptx
+++ b/draft-gandhi-ippm-stamp-direct-00.pptx
@@ -254,7 +254,7 @@
           <a:p>
             <a:fld id="{E8FA3DB5-7722-3F4F-947D-12B203669AD7}" type="datetimeFigureOut">
               <a:rPr lang="en-US" smtClean="0"/>
-              <a:t>1/26/2021</a:t>
+              <a:t>1/29/21</a:t>
             </a:fld>
             <a:endParaRPr lang="en-US"/>
           </a:p>
@@ -2420,14 +2420,14 @@
           </a:ln>
           <a:extLst>
             <a:ext uri="{909E8E84-426E-40dd-AFC4-6F175D3DCCD1}">
-              <a14:hiddenFill xmlns:a14="http://schemas.microsoft.com/office/drawing/2010/main" xmlns="">
+              <a14:hiddenFill xmlns="" xmlns:a14="http://schemas.microsoft.com/office/drawing/2010/main">
                 <a:solidFill>
                   <a:srgbClr val="FFFFFF"/>
                 </a:solidFill>
               </a14:hiddenFill>
             </a:ext>
             <a:ext uri="{91240B29-F687-4f45-9708-019B960494DF}">
-              <a14:hiddenLine xmlns:a14="http://schemas.microsoft.com/office/drawing/2010/main" xmlns="" w="9525">
+              <a14:hiddenLine xmlns="" xmlns:a14="http://schemas.microsoft.com/office/drawing/2010/main" w="9525">
                 <a:solidFill>
                   <a:srgbClr val="000000"/>
                 </a:solidFill>
@@ -2680,7 +2680,7 @@
               </a14:hiddenLine>
             </a:ext>
             <a:ext uri="{FAA26D3D-D897-4be2-8F04-BA451C77F1D7}">
-              <ma14:placeholderFlag xmlns:ma14="http://schemas.microsoft.com/office/mac/drawingml/2011/main" xmlns="" val="1"/>
+              <ma14:placeholderFlag xmlns="" xmlns:ma14="http://schemas.microsoft.com/office/mac/drawingml/2011/main" val="1"/>
             </a:ext>
           </a:extLst>
         </p:spPr>
@@ -7925,7 +7925,7 @@
             </a:pPr>
             <a:r>
               <a:rPr lang="en-US" sz="1600" dirty="0"/>
-              <a:t>Support stand-alone Direct Measurement for Data Packet Loss</a:t>
+              <a:t>Support stand-alone Direct Measurement for accurate Data Packet Loss</a:t>
             </a:r>
           </a:p>
           <a:p>
@@ -7974,7 +7974,7 @@
             </a:pPr>
             <a:r>
               <a:rPr lang="en-US" sz="1600" dirty="0"/>
-              <a:t>Avoid control-channel signaling for sessions</a:t>
+              <a:t>Avoid control protocol for test sessions</a:t>
             </a:r>
           </a:p>
           <a:p>
@@ -10127,7 +10127,7 @@
                 <a:ea typeface="Times New Roman" panose="02020603050405020304" pitchFamily="18" charset="0"/>
                 <a:cs typeface="Courier New" panose="02070309020205020404" pitchFamily="49" charset="0"/>
               </a:rPr>
-              <a:t>|X|B|T| DSCP      | Block Number| SSID                          |</a:t>
+              <a:t>|X|B|T| DSCP      | Block Number| DSID                          |</a:t>
             </a:r>
             <a:endParaRPr kumimoji="0" lang="en-US" altLang="en-US" sz="600" u="none" strike="noStrike" cap="none" normalizeH="0" baseline="0" dirty="0">
               <a:ln>
@@ -11049,14 +11049,14 @@
             <p:ph idx="1"/>
             <p:extLst>
               <p:ext uri="{D42A27DB-BD31-4B8C-83A1-F6EECF244321}">
-                <p14:modId xmlns:p14="http://schemas.microsoft.com/office/powerpoint/2010/main" val="3910406910"/>
+                <p14:modId xmlns:p14="http://schemas.microsoft.com/office/powerpoint/2010/main" val="3635540685"/>
               </p:ext>
             </p:extLst>
           </p:nvPr>
         </p:nvGraphicFramePr>
         <p:xfrm>
           <a:off x="457200" y="742951"/>
-          <a:ext cx="8229600" cy="3764280"/>
+          <a:ext cx="8229600" cy="3931920"/>
         </p:xfrm>
         <a:graphic>
           <a:graphicData uri="http://schemas.openxmlformats.org/drawingml/2006/table">
@@ -11184,7 +11184,13 @@
                     <a:p>
                       <a:r>
                         <a:rPr lang="en-US" sz="1100" dirty="0"/>
-                        <a:t>Need to write timestamp</a:t>
+                        <a:t>Need to write timestamp </a:t>
+                      </a:r>
+                    </a:p>
+                    <a:p>
+                      <a:r>
+                        <a:rPr lang="en-US" sz="1100" dirty="0"/>
+                        <a:t>(clock sync needed for one-way delay)</a:t>
                       </a:r>
                     </a:p>
                   </a:txBody>
@@ -11210,7 +11216,7 @@
                     <a:p>
                       <a:r>
                         <a:rPr lang="en-US" sz="1100" dirty="0"/>
-                        <a:t>No</a:t>
+                        <a:t>N/A</a:t>
                       </a:r>
                     </a:p>
                   </a:txBody>
@@ -11727,14 +11733,14 @@
               </a14:hiddenLine>
             </a:ext>
             <a:ext uri="{909E8E84-426E-40dd-AFC4-6F175D3DCCD1}">
-              <a14:hiddenFill xmlns:a14="http://schemas.microsoft.com/office/drawing/2010/main" xmlns="">
+              <a14:hiddenFill xmlns="" xmlns:a14="http://schemas.microsoft.com/office/drawing/2010/main">
                 <a:solidFill>
                   <a:srgbClr val="FFFFFF"/>
                 </a:solidFill>
               </a14:hiddenFill>
             </a:ext>
             <a:ext uri="{91240B29-F687-4f45-9708-019B960494DF}">
-              <a14:hiddenLine xmlns:a14="http://schemas.microsoft.com/office/drawing/2010/main" xmlns="" w="9525">
+              <a14:hiddenLine xmlns="" xmlns:a14="http://schemas.microsoft.com/office/drawing/2010/main" w="9525">
                 <a:solidFill>
                   <a:srgbClr val="000000"/>
                 </a:solidFill>
@@ -12158,7 +12164,7 @@
                 <a:latin typeface="Arial" panose="020B0604020202020204" pitchFamily="34" charset="0"/>
                 <a:cs typeface="Arial" panose="020B0604020202020204" pitchFamily="34" charset="0"/>
               </a:rPr>
-              <a:t>One Way Packet Loss %     </a:t>
+              <a:t>TX Packet Loss %     </a:t>
             </a:r>
           </a:p>
           <a:p>
@@ -14547,8 +14553,8 @@
         </p:nvSpPr>
         <p:spPr>
           <a:xfrm>
-            <a:off x="971550" y="3397177"/>
-            <a:ext cx="7200900" cy="1336232"/>
+            <a:off x="971550" y="3562350"/>
+            <a:ext cx="7200900" cy="1026670"/>
           </a:xfrm>
         </p:spPr>
         <p:txBody>
@@ -14583,22 +14589,29 @@
           <a:p>
             <a:r>
               <a:rPr lang="en-CA" sz="1400" dirty="0"/>
-              <a:t>One-way receive packet loss[n-1, n] = (C2[n] - C2[n-1]) - (C1[n] - C1[n-1])</a:t>
-            </a:r>
-          </a:p>
-          <a:p>
+              <a:t>Transmit Loss </a:t>
+            </a:r>
+            <a:r>
+              <a:rPr lang="en-CA" sz="1400" dirty="0" err="1"/>
+              <a:t>TxL</a:t>
+            </a:r>
             <a:r>
               <a:rPr lang="en-CA" sz="1400" dirty="0"/>
-              <a:t>Two-way receive packet loss[n-1, n] = (C4[n] - C4[n-1]) - (C3[n] - C3[n-1])</a:t>
-            </a:r>
-          </a:p>
-          <a:p>
-            <a:pPr marL="0" indent="0">
-              <a:buNone/>
-            </a:pPr>
+              <a:t>[n-1, n] = (C1[n] - C1[n-1]) - (C2[n] - C2[n-1])</a:t>
+            </a:r>
+          </a:p>
+          <a:p>
             <a:r>
               <a:rPr lang="en-CA" sz="1400" dirty="0"/>
-              <a:t>                                                                          + (C2[n] - C2[n-1]) - (C1[n] - C1[n-1])</a:t>
+              <a:t>Receive Loss </a:t>
+            </a:r>
+            <a:r>
+              <a:rPr lang="en-CA" sz="1400" dirty="0" err="1"/>
+              <a:t>RxL</a:t>
+            </a:r>
+            <a:r>
+              <a:rPr lang="en-CA" sz="1400" dirty="0"/>
+              <a:t>[n-1, n]   = (C3[n] - C3[n-1]) - (C4[n] - C4[n-1])</a:t>
             </a:r>
           </a:p>
         </p:txBody>
@@ -14720,7 +14733,7 @@
                 <a:ea typeface="Calibri" panose="020F0502020204030204" pitchFamily="34" charset="0"/>
                 <a:cs typeface="Times New Roman" panose="02020603050405020304" pitchFamily="18" charset="0"/>
               </a:rPr>
-              <a:t>        C1                C2</a:t>
+              <a:t>        C1                    C2</a:t>
             </a:r>
           </a:p>
           <a:p>
@@ -14730,7 +14743,7 @@
                 <a:ea typeface="Calibri" panose="020F0502020204030204" pitchFamily="34" charset="0"/>
                 <a:cs typeface="Times New Roman" panose="02020603050405020304" pitchFamily="18" charset="0"/>
               </a:rPr>
-              <a:t>         /                   \</a:t>
+              <a:t>         /                     \</a:t>
             </a:r>
           </a:p>
           <a:p>
@@ -14740,7 +14753,7 @@
                 <a:ea typeface="Calibri" panose="020F0502020204030204" pitchFamily="34" charset="0"/>
                 <a:cs typeface="Times New Roman" panose="02020603050405020304" pitchFamily="18" charset="0"/>
               </a:rPr>
-              <a:t>+-------+     Test Packet     +-------+</a:t>
+              <a:t>+-------+    DM Test Packet     +-------+</a:t>
             </a:r>
           </a:p>
           <a:p>
@@ -14750,7 +14763,7 @@
                 <a:ea typeface="Calibri" panose="020F0502020204030204" pitchFamily="34" charset="0"/>
                 <a:cs typeface="Times New Roman" panose="02020603050405020304" pitchFamily="18" charset="0"/>
               </a:rPr>
-              <a:t>|       | - - - - - - - - - -&gt;|       |</a:t>
+              <a:t>|       | - - - - - - - - - - -&gt;|       |</a:t>
             </a:r>
           </a:p>
           <a:p>
@@ -14760,7 +14773,7 @@
                 <a:ea typeface="Calibri" panose="020F0502020204030204" pitchFamily="34" charset="0"/>
                 <a:cs typeface="Times New Roman" panose="02020603050405020304" pitchFamily="18" charset="0"/>
               </a:rPr>
-              <a:t>|   R1  |=====================|   R3  |</a:t>
+              <a:t>|   R1  |=======================|   R3  |</a:t>
             </a:r>
           </a:p>
           <a:p>
@@ -14770,7 +14783,7 @@
                 <a:ea typeface="Calibri" panose="020F0502020204030204" pitchFamily="34" charset="0"/>
                 <a:cs typeface="Times New Roman" panose="02020603050405020304" pitchFamily="18" charset="0"/>
               </a:rPr>
-              <a:t>|       |&lt;- - - - - - - - - - |       |</a:t>
+              <a:t>|       |&lt;- - - - - - - - - - - |       |</a:t>
             </a:r>
           </a:p>
           <a:p>
@@ -14780,7 +14793,7 @@
                 <a:ea typeface="Calibri" panose="020F0502020204030204" pitchFamily="34" charset="0"/>
                 <a:cs typeface="Times New Roman" panose="02020603050405020304" pitchFamily="18" charset="0"/>
               </a:rPr>
-              <a:t>+-------+  Reply Test Packet  +-------+</a:t>
+              <a:t>+-------+ DM Reply Test Packet  +-------+</a:t>
             </a:r>
           </a:p>
           <a:p>
@@ -14790,7 +14803,7 @@
                 <a:ea typeface="Calibri" panose="020F0502020204030204" pitchFamily="34" charset="0"/>
                 <a:cs typeface="Times New Roman" panose="02020603050405020304" pitchFamily="18" charset="0"/>
               </a:rPr>
-              <a:t>         \                   /</a:t>
+              <a:t>         \                     /</a:t>
             </a:r>
           </a:p>
           <a:p>
@@ -14800,7 +14813,7 @@
                 <a:ea typeface="Calibri" panose="020F0502020204030204" pitchFamily="34" charset="0"/>
                 <a:cs typeface="Times New Roman" panose="02020603050405020304" pitchFamily="18" charset="0"/>
               </a:rPr>
-              <a:t>          C4                C3</a:t>
+              <a:t>          C4                  C3</a:t>
             </a:r>
           </a:p>
           <a:p>
@@ -14820,7 +14833,7 @@
                 <a:ea typeface="Calibri" panose="020F0502020204030204" pitchFamily="34" charset="0"/>
                 <a:cs typeface="Times New Roman" panose="02020603050405020304" pitchFamily="18" charset="0"/>
               </a:rPr>
-              <a:t>Session-Sender                Session-Reflector</a:t>
+              <a:t>DM Session-Sender        DM Session-Reflector</a:t>
             </a:r>
           </a:p>
           <a:p>
@@ -14840,7 +14853,7 @@
                 <a:ea typeface="Calibri" panose="020F0502020204030204" pitchFamily="34" charset="0"/>
                 <a:cs typeface="Times New Roman" panose="02020603050405020304" pitchFamily="18" charset="0"/>
               </a:rPr>
-              <a:t>           Reference Topology</a:t>
+              <a:t>         DM Reference Topology</a:t>
             </a:r>
             <a:endParaRPr lang="en-US" sz="1200" dirty="0">
               <a:latin typeface="Courier" pitchFamily="2" charset="0"/>

--- a/draft-gandhi-ippm-stamp-direct-00.pptx
+++ b/draft-gandhi-ippm-stamp-direct-00.pptx
@@ -254,7 +254,7 @@
           <a:p>
             <a:fld id="{E8FA3DB5-7722-3F4F-947D-12B203669AD7}" type="datetimeFigureOut">
               <a:rPr lang="en-US" smtClean="0"/>
-              <a:t>1/29/21</a:t>
+              <a:t>1/30/21</a:t>
             </a:fld>
             <a:endParaRPr lang="en-US"/>
           </a:p>
@@ -2420,14 +2420,14 @@
           </a:ln>
           <a:extLst>
             <a:ext uri="{909E8E84-426E-40dd-AFC4-6F175D3DCCD1}">
-              <a14:hiddenFill xmlns="" xmlns:a14="http://schemas.microsoft.com/office/drawing/2010/main">
+              <a14:hiddenFill xmlns:a14="http://schemas.microsoft.com/office/drawing/2010/main" xmlns="">
                 <a:solidFill>
                   <a:srgbClr val="FFFFFF"/>
                 </a:solidFill>
               </a14:hiddenFill>
             </a:ext>
             <a:ext uri="{91240B29-F687-4f45-9708-019B960494DF}">
-              <a14:hiddenLine xmlns="" xmlns:a14="http://schemas.microsoft.com/office/drawing/2010/main" w="9525">
+              <a14:hiddenLine xmlns:a14="http://schemas.microsoft.com/office/drawing/2010/main" xmlns="" w="9525">
                 <a:solidFill>
                   <a:srgbClr val="000000"/>
                 </a:solidFill>
@@ -2680,7 +2680,7 @@
               </a14:hiddenLine>
             </a:ext>
             <a:ext uri="{FAA26D3D-D897-4be2-8F04-BA451C77F1D7}">
-              <ma14:placeholderFlag xmlns="" xmlns:ma14="http://schemas.microsoft.com/office/mac/drawingml/2011/main" val="1"/>
+              <ma14:placeholderFlag xmlns:ma14="http://schemas.microsoft.com/office/mac/drawingml/2011/main" xmlns="" val="1"/>
             </a:ext>
           </a:extLst>
         </p:spPr>
@@ -7925,7 +7925,7 @@
             </a:pPr>
             <a:r>
               <a:rPr lang="en-US" sz="1600" dirty="0"/>
-              <a:t>Support stand-alone Direct Measurement for accurate Data Packet Loss</a:t>
+              <a:t>Support stand-alone Direct Measurement for accurate data packet loss</a:t>
             </a:r>
           </a:p>
           <a:p>
@@ -11049,14 +11049,14 @@
             <p:ph idx="1"/>
             <p:extLst>
               <p:ext uri="{D42A27DB-BD31-4B8C-83A1-F6EECF244321}">
-                <p14:modId xmlns:p14="http://schemas.microsoft.com/office/powerpoint/2010/main" val="3635540685"/>
+                <p14:modId xmlns:p14="http://schemas.microsoft.com/office/powerpoint/2010/main" val="3377094875"/>
               </p:ext>
             </p:extLst>
           </p:nvPr>
         </p:nvGraphicFramePr>
         <p:xfrm>
-          <a:off x="457200" y="742951"/>
-          <a:ext cx="8229600" cy="3931920"/>
+          <a:off x="304800" y="696278"/>
+          <a:ext cx="8534400" cy="3931920"/>
         </p:xfrm>
         <a:graphic>
           <a:graphicData uri="http://schemas.openxmlformats.org/drawingml/2006/table">
@@ -11065,21 +11065,21 @@
                 <a:tableStyleId>{912C8C85-51F0-491E-9774-3900AFEF0FD7}</a:tableStyleId>
               </a:tblPr>
               <a:tblGrid>
-                <a:gridCol w="3124200">
+                <a:gridCol w="3239911">
                   <a:extLst>
                     <a:ext uri="{9D8B030D-6E8A-4147-A177-3AD203B41FA5}">
                       <a16:colId xmlns:a16="http://schemas.microsoft.com/office/drawing/2014/main" val="704179991"/>
                     </a:ext>
                   </a:extLst>
                 </a:gridCol>
-                <a:gridCol w="2438400">
+                <a:gridCol w="2528711">
                   <a:extLst>
                     <a:ext uri="{9D8B030D-6E8A-4147-A177-3AD203B41FA5}">
                       <a16:colId xmlns:a16="http://schemas.microsoft.com/office/drawing/2014/main" val="2450600246"/>
                     </a:ext>
                   </a:extLst>
                 </a:gridCol>
-                <a:gridCol w="2667000">
+                <a:gridCol w="2765778">
                   <a:extLst>
                     <a:ext uri="{9D8B030D-6E8A-4147-A177-3AD203B41FA5}">
                       <a16:colId xmlns:a16="http://schemas.microsoft.com/office/drawing/2014/main" val="3735205648"/>
@@ -11138,7 +11138,7 @@
                     <a:p>
                       <a:r>
                         <a:rPr lang="en-US" sz="1100" dirty="0"/>
-                        <a:t>TLV processing for each received packet on session-reflector in hardware</a:t>
+                        <a:t>Need TLV processing for each received packet on Session-Reflector in hardware</a:t>
                       </a:r>
                     </a:p>
                   </a:txBody>
@@ -11311,7 +11311,7 @@
                     <a:p>
                       <a:r>
                         <a:rPr lang="en-US" sz="1100" dirty="0"/>
-                        <a:t>Counters at fixed location in the test packet for hardware counter-stamping</a:t>
+                        <a:t>Counters at fixed location in the test packet for in-band hardware counter-stamping</a:t>
                       </a:r>
                     </a:p>
                   </a:txBody>
@@ -11357,7 +11357,7 @@
                     <a:p>
                       <a:r>
                         <a:rPr lang="en-US" sz="1100" dirty="0"/>
-                        <a:t>Reply test packets with counters at the fixed location for hardware counter-stamping</a:t>
+                        <a:t>Reply test packets with counters at the fixed location for in-band hardware counter-stamping</a:t>
                       </a:r>
                     </a:p>
                   </a:txBody>
@@ -11733,14 +11733,14 @@
               </a14:hiddenLine>
             </a:ext>
             <a:ext uri="{909E8E84-426E-40dd-AFC4-6F175D3DCCD1}">
-              <a14:hiddenFill xmlns="" xmlns:a14="http://schemas.microsoft.com/office/drawing/2010/main">
+              <a14:hiddenFill xmlns:a14="http://schemas.microsoft.com/office/drawing/2010/main" xmlns="">
                 <a:solidFill>
                   <a:srgbClr val="FFFFFF"/>
                 </a:solidFill>
               </a14:hiddenFill>
             </a:ext>
             <a:ext uri="{91240B29-F687-4f45-9708-019B960494DF}">
-              <a14:hiddenLine xmlns="" xmlns:a14="http://schemas.microsoft.com/office/drawing/2010/main" w="9525">
+              <a14:hiddenLine xmlns:a14="http://schemas.microsoft.com/office/drawing/2010/main" xmlns="" w="9525">
                 <a:solidFill>
                   <a:srgbClr val="000000"/>
                 </a:solidFill>
@@ -11943,7 +11943,7 @@
                 <a:latin typeface="Calibri Light" panose="020F0302020204030204" pitchFamily="34" charset="0"/>
                 <a:cs typeface="Calibri Light" panose="020F0302020204030204" pitchFamily="34" charset="0"/>
               </a:rPr>
-              <a:t>- Inline Counter-stamping in Hardware</a:t>
+              <a:t>- in-band Counter-stamping in Hardware</a:t>
             </a:r>
           </a:p>
         </p:txBody>
@@ -14733,7 +14733,7 @@
                 <a:ea typeface="Calibri" panose="020F0502020204030204" pitchFamily="34" charset="0"/>
                 <a:cs typeface="Times New Roman" panose="02020603050405020304" pitchFamily="18" charset="0"/>
               </a:rPr>
-              <a:t>        C1                    C2</a:t>
+              <a:t>          C1                 C2</a:t>
             </a:r>
           </a:p>
           <a:p>
@@ -14853,7 +14853,7 @@
                 <a:ea typeface="Calibri" panose="020F0502020204030204" pitchFamily="34" charset="0"/>
                 <a:cs typeface="Times New Roman" panose="02020603050405020304" pitchFamily="18" charset="0"/>
               </a:rPr>
-              <a:t>         DM Reference Topology</a:t>
+              <a:t>           DM Reference Topology</a:t>
             </a:r>
             <a:endParaRPr lang="en-US" sz="1200" dirty="0">
               <a:latin typeface="Courier" pitchFamily="2" charset="0"/>
